--- a/presentation/m2vira Presentation.pptx
+++ b/presentation/m2vira Presentation.pptx
@@ -271,7 +271,7 @@
   </p:defaultTextStyle>
   <p:extLst>
     <p:ext uri="GoogleSlidesCustomDataVersion2">
-      <go:slidesCustomData xmlns:go="http://customooxmlschemas.google.com/" r:id="rId23" roundtripDataSignature="AMtx7mhFoVN7TFuWv+TN6RKh90IOQsR59g=="/>
+      <go:slidesCustomData xmlns:go="http://customooxmlschemas.google.com/" r:id="rId23" roundtripDataSignature="AMtx7mhZVNX1BZA229vO4vWJcYsm1EHM2g=="/>
     </p:ext>
   </p:extLst>
 </p:presentation>
@@ -1194,7 +1194,7 @@
   <p:cSld>
     <p:spTree>
       <p:nvGrpSpPr>
-        <p:cNvPr id="210" name="Shape 210"/>
+        <p:cNvPr id="209" name="Shape 209"/>
         <p:cNvGrpSpPr/>
         <p:nvPr/>
       </p:nvGrpSpPr>
@@ -1208,7 +1208,7 @@
       </p:grpSpPr>
       <p:sp>
         <p:nvSpPr>
-          <p:cNvPr id="211" name="Google Shape;211;p4:notes"/>
+          <p:cNvPr id="210" name="Google Shape;210;p4:notes"/>
           <p:cNvSpPr/>
           <p:nvPr>
             <p:ph idx="2" type="sldImg"/>
@@ -1253,7 +1253,7 @@
       </p:sp>
       <p:sp>
         <p:nvSpPr>
-          <p:cNvPr id="212" name="Google Shape;212;p4:notes"/>
+          <p:cNvPr id="211" name="Google Shape;211;p4:notes"/>
           <p:cNvSpPr txBox="1"/>
           <p:nvPr>
             <p:ph idx="1" type="body"/>
@@ -1311,7 +1311,7 @@
   <p:cSld>
     <p:spTree>
       <p:nvGrpSpPr>
-        <p:cNvPr id="234" name="Shape 234"/>
+        <p:cNvPr id="225" name="Shape 225"/>
         <p:cNvGrpSpPr/>
         <p:nvPr/>
       </p:nvGrpSpPr>
@@ -1325,7 +1325,7 @@
       </p:grpSpPr>
       <p:sp>
         <p:nvSpPr>
-          <p:cNvPr id="235" name="Google Shape;235;p5:notes"/>
+          <p:cNvPr id="226" name="Google Shape;226;p5:notes"/>
           <p:cNvSpPr/>
           <p:nvPr>
             <p:ph idx="2" type="sldImg"/>
@@ -1370,7 +1370,7 @@
       </p:sp>
       <p:sp>
         <p:nvSpPr>
-          <p:cNvPr id="236" name="Google Shape;236;p5:notes"/>
+          <p:cNvPr id="227" name="Google Shape;227;p5:notes"/>
           <p:cNvSpPr txBox="1"/>
           <p:nvPr>
             <p:ph idx="1" type="body"/>
@@ -1428,7 +1428,7 @@
   <p:cSld>
     <p:spTree>
       <p:nvGrpSpPr>
-        <p:cNvPr id="246" name="Shape 246"/>
+        <p:cNvPr id="237" name="Shape 237"/>
         <p:cNvGrpSpPr/>
         <p:nvPr/>
       </p:nvGrpSpPr>
@@ -1442,205 +1442,7 @@
       </p:grpSpPr>
       <p:sp>
         <p:nvSpPr>
-          <p:cNvPr id="247" name="Google Shape;247;g2a7317a0545_0_0:notes"/>
-          <p:cNvSpPr/>
-          <p:nvPr>
-            <p:ph idx="2" type="sldImg"/>
-          </p:nvPr>
-        </p:nvSpPr>
-        <p:spPr>
-          <a:xfrm>
-            <a:off x="381300" y="685800"/>
-            <a:ext cx="6096000" cy="3429000"/>
-          </a:xfrm>
-          <a:custGeom>
-            <a:rect b="b" l="l" r="r" t="t"/>
-            <a:pathLst>
-              <a:path extrusionOk="0" h="120000" w="120000">
-                <a:moveTo>
-                  <a:pt x="0" y="0"/>
-                </a:moveTo>
-                <a:lnTo>
-                  <a:pt x="120000" y="0"/>
-                </a:lnTo>
-                <a:lnTo>
-                  <a:pt x="120000" y="120000"/>
-                </a:lnTo>
-                <a:lnTo>
-                  <a:pt x="0" y="120000"/>
-                </a:lnTo>
-                <a:close/>
-              </a:path>
-            </a:pathLst>
-          </a:custGeom>
-        </p:spPr>
-      </p:sp>
-      <p:sp>
-        <p:nvSpPr>
-          <p:cNvPr id="248" name="Google Shape;248;g2a7317a0545_0_0:notes"/>
-          <p:cNvSpPr txBox="1"/>
-          <p:nvPr>
-            <p:ph idx="1" type="body"/>
-          </p:nvPr>
-        </p:nvSpPr>
-        <p:spPr>
-          <a:xfrm>
-            <a:off x="685800" y="4343400"/>
-            <a:ext cx="5486400" cy="4114800"/>
-          </a:xfrm>
-          <a:prstGeom prst="rect">
-            <a:avLst/>
-          </a:prstGeom>
-        </p:spPr>
-        <p:txBody>
-          <a:bodyPr anchorCtr="0" anchor="t" bIns="91425" lIns="91425" spcFirstLastPara="1" rIns="91425" wrap="square" tIns="91425">
-            <a:noAutofit/>
-          </a:bodyPr>
-          <a:lstStyle/>
-          <a:p>
-            <a:pPr indent="0" lvl="0" marL="0" rtl="0" algn="l">
-              <a:spcBef>
-                <a:spcPts val="0"/>
-              </a:spcBef>
-              <a:spcAft>
-                <a:spcPts val="0"/>
-              </a:spcAft>
-              <a:buNone/>
-            </a:pPr>
-            <a:r>
-              <a:t/>
-            </a:r>
-            <a:endParaRPr/>
-          </a:p>
-        </p:txBody>
-      </p:sp>
-    </p:spTree>
-  </p:cSld>
-  <p:clrMapOvr>
-    <a:masterClrMapping/>
-  </p:clrMapOvr>
-</p:notes>
-</file>
-
-<file path=ppt/notesSlides/notesSlide7.xml><?xml version="1.0" encoding="utf-8"?>
-<p:notes xmlns:a="http://schemas.openxmlformats.org/drawingml/2006/main" xmlns:r="http://schemas.openxmlformats.org/officeDocument/2006/relationships" xmlns:mc="http://schemas.openxmlformats.org/markup-compatibility/2006" xmlns:mv="urn:schemas-microsoft-com:mac:vml" xmlns:p="http://schemas.openxmlformats.org/presentationml/2006/main" xmlns:c="http://schemas.openxmlformats.org/drawingml/2006/chart" xmlns:dgm="http://schemas.openxmlformats.org/drawingml/2006/diagram" xmlns:o="urn:schemas-microsoft-com:office:office" xmlns:v="urn:schemas-microsoft-com:vml" xmlns:pvml="urn:schemas-microsoft-com:office:powerpoint" xmlns:com="http://schemas.openxmlformats.org/drawingml/2006/compatibility" xmlns:p14="http://schemas.microsoft.com/office/powerpoint/2010/main" xmlns:p15="http://schemas.microsoft.com/office/powerpoint/2012/main" xmlns:ahyp="http://schemas.microsoft.com/office/drawing/2018/hyperlinkcolor" showMasterPhAnim="0" showMasterSp="0">
-  <p:cSld>
-    <p:spTree>
-      <p:nvGrpSpPr>
-        <p:cNvPr id="254" name="Shape 254"/>
-        <p:cNvGrpSpPr/>
-        <p:nvPr/>
-      </p:nvGrpSpPr>
-      <p:grpSpPr>
-        <a:xfrm>
-          <a:off x="0" y="0"/>
-          <a:ext cx="0" cy="0"/>
-          <a:chOff x="0" y="0"/>
-          <a:chExt cx="0" cy="0"/>
-        </a:xfrm>
-      </p:grpSpPr>
-      <p:sp>
-        <p:nvSpPr>
-          <p:cNvPr id="255" name="Google Shape;255;g2a7317a0545_1_3:notes"/>
-          <p:cNvSpPr/>
-          <p:nvPr>
-            <p:ph idx="2" type="sldImg"/>
-          </p:nvPr>
-        </p:nvSpPr>
-        <p:spPr>
-          <a:xfrm>
-            <a:off x="381300" y="685800"/>
-            <a:ext cx="6096000" cy="3429000"/>
-          </a:xfrm>
-          <a:custGeom>
-            <a:rect b="b" l="l" r="r" t="t"/>
-            <a:pathLst>
-              <a:path extrusionOk="0" h="120000" w="120000">
-                <a:moveTo>
-                  <a:pt x="0" y="0"/>
-                </a:moveTo>
-                <a:lnTo>
-                  <a:pt x="120000" y="0"/>
-                </a:lnTo>
-                <a:lnTo>
-                  <a:pt x="120000" y="120000"/>
-                </a:lnTo>
-                <a:lnTo>
-                  <a:pt x="0" y="120000"/>
-                </a:lnTo>
-                <a:close/>
-              </a:path>
-            </a:pathLst>
-          </a:custGeom>
-        </p:spPr>
-      </p:sp>
-      <p:sp>
-        <p:nvSpPr>
-          <p:cNvPr id="256" name="Google Shape;256;g2a7317a0545_1_3:notes"/>
-          <p:cNvSpPr txBox="1"/>
-          <p:nvPr>
-            <p:ph idx="1" type="body"/>
-          </p:nvPr>
-        </p:nvSpPr>
-        <p:spPr>
-          <a:xfrm>
-            <a:off x="685800" y="4343400"/>
-            <a:ext cx="5486400" cy="4114800"/>
-          </a:xfrm>
-          <a:prstGeom prst="rect">
-            <a:avLst/>
-          </a:prstGeom>
-        </p:spPr>
-        <p:txBody>
-          <a:bodyPr anchorCtr="0" anchor="t" bIns="91425" lIns="91425" spcFirstLastPara="1" rIns="91425" wrap="square" tIns="91425">
-            <a:noAutofit/>
-          </a:bodyPr>
-          <a:lstStyle/>
-          <a:p>
-            <a:pPr indent="0" lvl="0" marL="0" rtl="0" algn="l">
-              <a:spcBef>
-                <a:spcPts val="0"/>
-              </a:spcBef>
-              <a:spcAft>
-                <a:spcPts val="0"/>
-              </a:spcAft>
-              <a:buNone/>
-            </a:pPr>
-            <a:r>
-              <a:t/>
-            </a:r>
-            <a:endParaRPr/>
-          </a:p>
-        </p:txBody>
-      </p:sp>
-    </p:spTree>
-  </p:cSld>
-  <p:clrMapOvr>
-    <a:masterClrMapping/>
-  </p:clrMapOvr>
-</p:notes>
-</file>
-
-<file path=ppt/notesSlides/notesSlide8.xml><?xml version="1.0" encoding="utf-8"?>
-<p:notes xmlns:a="http://schemas.openxmlformats.org/drawingml/2006/main" xmlns:r="http://schemas.openxmlformats.org/officeDocument/2006/relationships" xmlns:mc="http://schemas.openxmlformats.org/markup-compatibility/2006" xmlns:mv="urn:schemas-microsoft-com:mac:vml" xmlns:p="http://schemas.openxmlformats.org/presentationml/2006/main" xmlns:c="http://schemas.openxmlformats.org/drawingml/2006/chart" xmlns:dgm="http://schemas.openxmlformats.org/drawingml/2006/diagram" xmlns:o="urn:schemas-microsoft-com:office:office" xmlns:v="urn:schemas-microsoft-com:vml" xmlns:pvml="urn:schemas-microsoft-com:office:powerpoint" xmlns:com="http://schemas.openxmlformats.org/drawingml/2006/compatibility" xmlns:p14="http://schemas.microsoft.com/office/powerpoint/2010/main" xmlns:p15="http://schemas.microsoft.com/office/powerpoint/2012/main" xmlns:ahyp="http://schemas.microsoft.com/office/drawing/2018/hyperlinkcolor" showMasterPhAnim="0" showMasterSp="0">
-  <p:cSld>
-    <p:spTree>
-      <p:nvGrpSpPr>
-        <p:cNvPr id="261" name="Shape 261"/>
-        <p:cNvGrpSpPr/>
-        <p:nvPr/>
-      </p:nvGrpSpPr>
-      <p:grpSpPr>
-        <a:xfrm>
-          <a:off x="0" y="0"/>
-          <a:ext cx="0" cy="0"/>
-          <a:chOff x="0" y="0"/>
-          <a:chExt cx="0" cy="0"/>
-        </a:xfrm>
-      </p:grpSpPr>
-      <p:sp>
-        <p:nvSpPr>
-          <p:cNvPr id="262" name="Google Shape;262;p6:notes"/>
+          <p:cNvPr id="238" name="Google Shape;238;g2a7317a0545_0_0:notes"/>
           <p:cNvSpPr/>
           <p:nvPr>
             <p:ph idx="2" type="sldImg"/>
@@ -1685,7 +1487,7 @@
       </p:sp>
       <p:sp>
         <p:nvSpPr>
-          <p:cNvPr id="263" name="Google Shape;263;p6:notes"/>
+          <p:cNvPr id="239" name="Google Shape;239;g2a7317a0545_0_0:notes"/>
           <p:cNvSpPr txBox="1"/>
           <p:nvPr>
             <p:ph idx="1" type="body"/>
@@ -1738,12 +1540,12 @@
 </p:notes>
 </file>
 
-<file path=ppt/notesSlides/notesSlide9.xml><?xml version="1.0" encoding="utf-8"?>
+<file path=ppt/notesSlides/notesSlide7.xml><?xml version="1.0" encoding="utf-8"?>
 <p:notes xmlns:a="http://schemas.openxmlformats.org/drawingml/2006/main" xmlns:r="http://schemas.openxmlformats.org/officeDocument/2006/relationships" xmlns:mc="http://schemas.openxmlformats.org/markup-compatibility/2006" xmlns:mv="urn:schemas-microsoft-com:mac:vml" xmlns:p="http://schemas.openxmlformats.org/presentationml/2006/main" xmlns:c="http://schemas.openxmlformats.org/drawingml/2006/chart" xmlns:dgm="http://schemas.openxmlformats.org/drawingml/2006/diagram" xmlns:o="urn:schemas-microsoft-com:office:office" xmlns:v="urn:schemas-microsoft-com:vml" xmlns:pvml="urn:schemas-microsoft-com:office:powerpoint" xmlns:com="http://schemas.openxmlformats.org/drawingml/2006/compatibility" xmlns:p14="http://schemas.microsoft.com/office/powerpoint/2010/main" xmlns:p15="http://schemas.microsoft.com/office/powerpoint/2012/main" xmlns:ahyp="http://schemas.microsoft.com/office/drawing/2018/hyperlinkcolor" showMasterPhAnim="0" showMasterSp="0">
   <p:cSld>
     <p:spTree>
       <p:nvGrpSpPr>
-        <p:cNvPr id="273" name="Shape 273"/>
+        <p:cNvPr id="245" name="Shape 245"/>
         <p:cNvGrpSpPr/>
         <p:nvPr/>
       </p:nvGrpSpPr>
@@ -1757,7 +1559,7 @@
       </p:grpSpPr>
       <p:sp>
         <p:nvSpPr>
-          <p:cNvPr id="274" name="Google Shape;274;p7:notes"/>
+          <p:cNvPr id="246" name="Google Shape;246;g2a7317a0545_1_3:notes"/>
           <p:cNvSpPr/>
           <p:nvPr>
             <p:ph idx="2" type="sldImg"/>
@@ -1802,7 +1604,241 @@
       </p:sp>
       <p:sp>
         <p:nvSpPr>
-          <p:cNvPr id="275" name="Google Shape;275;p7:notes"/>
+          <p:cNvPr id="247" name="Google Shape;247;g2a7317a0545_1_3:notes"/>
+          <p:cNvSpPr txBox="1"/>
+          <p:nvPr>
+            <p:ph idx="1" type="body"/>
+          </p:nvPr>
+        </p:nvSpPr>
+        <p:spPr>
+          <a:xfrm>
+            <a:off x="685800" y="4343400"/>
+            <a:ext cx="5486400" cy="4114800"/>
+          </a:xfrm>
+          <a:prstGeom prst="rect">
+            <a:avLst/>
+          </a:prstGeom>
+          <a:noFill/>
+          <a:ln>
+            <a:noFill/>
+          </a:ln>
+        </p:spPr>
+        <p:txBody>
+          <a:bodyPr anchorCtr="0" anchor="t" bIns="91425" lIns="91425" spcFirstLastPara="1" rIns="91425" wrap="square" tIns="91425">
+            <a:noAutofit/>
+          </a:bodyPr>
+          <a:lstStyle/>
+          <a:p>
+            <a:pPr indent="0" lvl="0" marL="0" rtl="0" algn="l">
+              <a:lnSpc>
+                <a:spcPct val="100000"/>
+              </a:lnSpc>
+              <a:spcBef>
+                <a:spcPts val="0"/>
+              </a:spcBef>
+              <a:spcAft>
+                <a:spcPts val="0"/>
+              </a:spcAft>
+              <a:buSzPts val="1100"/>
+              <a:buNone/>
+            </a:pPr>
+            <a:r>
+              <a:t/>
+            </a:r>
+            <a:endParaRPr/>
+          </a:p>
+        </p:txBody>
+      </p:sp>
+    </p:spTree>
+  </p:cSld>
+  <p:clrMapOvr>
+    <a:masterClrMapping/>
+  </p:clrMapOvr>
+</p:notes>
+</file>
+
+<file path=ppt/notesSlides/notesSlide8.xml><?xml version="1.0" encoding="utf-8"?>
+<p:notes xmlns:a="http://schemas.openxmlformats.org/drawingml/2006/main" xmlns:r="http://schemas.openxmlformats.org/officeDocument/2006/relationships" xmlns:mc="http://schemas.openxmlformats.org/markup-compatibility/2006" xmlns:mv="urn:schemas-microsoft-com:mac:vml" xmlns:p="http://schemas.openxmlformats.org/presentationml/2006/main" xmlns:c="http://schemas.openxmlformats.org/drawingml/2006/chart" xmlns:dgm="http://schemas.openxmlformats.org/drawingml/2006/diagram" xmlns:o="urn:schemas-microsoft-com:office:office" xmlns:v="urn:schemas-microsoft-com:vml" xmlns:pvml="urn:schemas-microsoft-com:office:powerpoint" xmlns:com="http://schemas.openxmlformats.org/drawingml/2006/compatibility" xmlns:p14="http://schemas.microsoft.com/office/powerpoint/2010/main" xmlns:p15="http://schemas.microsoft.com/office/powerpoint/2012/main" xmlns:ahyp="http://schemas.microsoft.com/office/drawing/2018/hyperlinkcolor" showMasterPhAnim="0" showMasterSp="0">
+  <p:cSld>
+    <p:spTree>
+      <p:nvGrpSpPr>
+        <p:cNvPr id="252" name="Shape 252"/>
+        <p:cNvGrpSpPr/>
+        <p:nvPr/>
+      </p:nvGrpSpPr>
+      <p:grpSpPr>
+        <a:xfrm>
+          <a:off x="0" y="0"/>
+          <a:ext cx="0" cy="0"/>
+          <a:chOff x="0" y="0"/>
+          <a:chExt cx="0" cy="0"/>
+        </a:xfrm>
+      </p:grpSpPr>
+      <p:sp>
+        <p:nvSpPr>
+          <p:cNvPr id="253" name="Google Shape;253;p6:notes"/>
+          <p:cNvSpPr/>
+          <p:nvPr>
+            <p:ph idx="2" type="sldImg"/>
+          </p:nvPr>
+        </p:nvSpPr>
+        <p:spPr>
+          <a:xfrm>
+            <a:off x="381300" y="685800"/>
+            <a:ext cx="6096000" cy="3429000"/>
+          </a:xfrm>
+          <a:custGeom>
+            <a:rect b="b" l="l" r="r" t="t"/>
+            <a:pathLst>
+              <a:path extrusionOk="0" h="120000" w="120000">
+                <a:moveTo>
+                  <a:pt x="0" y="0"/>
+                </a:moveTo>
+                <a:lnTo>
+                  <a:pt x="120000" y="0"/>
+                </a:lnTo>
+                <a:lnTo>
+                  <a:pt x="120000" y="120000"/>
+                </a:lnTo>
+                <a:lnTo>
+                  <a:pt x="0" y="120000"/>
+                </a:lnTo>
+                <a:close/>
+              </a:path>
+            </a:pathLst>
+          </a:custGeom>
+          <a:noFill/>
+          <a:ln cap="flat" cmpd="sng" w="9525">
+            <a:solidFill>
+              <a:srgbClr val="000000"/>
+            </a:solidFill>
+            <a:prstDash val="solid"/>
+            <a:round/>
+            <a:headEnd len="sm" w="sm" type="none"/>
+            <a:tailEnd len="sm" w="sm" type="none"/>
+          </a:ln>
+        </p:spPr>
+      </p:sp>
+      <p:sp>
+        <p:nvSpPr>
+          <p:cNvPr id="254" name="Google Shape;254;p6:notes"/>
+          <p:cNvSpPr txBox="1"/>
+          <p:nvPr>
+            <p:ph idx="1" type="body"/>
+          </p:nvPr>
+        </p:nvSpPr>
+        <p:spPr>
+          <a:xfrm>
+            <a:off x="685800" y="4343400"/>
+            <a:ext cx="5486400" cy="4114800"/>
+          </a:xfrm>
+          <a:prstGeom prst="rect">
+            <a:avLst/>
+          </a:prstGeom>
+          <a:noFill/>
+          <a:ln>
+            <a:noFill/>
+          </a:ln>
+        </p:spPr>
+        <p:txBody>
+          <a:bodyPr anchorCtr="0" anchor="t" bIns="91425" lIns="91425" spcFirstLastPara="1" rIns="91425" wrap="square" tIns="91425">
+            <a:noAutofit/>
+          </a:bodyPr>
+          <a:lstStyle/>
+          <a:p>
+            <a:pPr indent="0" lvl="0" marL="0" rtl="0" algn="l">
+              <a:lnSpc>
+                <a:spcPct val="100000"/>
+              </a:lnSpc>
+              <a:spcBef>
+                <a:spcPts val="0"/>
+              </a:spcBef>
+              <a:spcAft>
+                <a:spcPts val="0"/>
+              </a:spcAft>
+              <a:buSzPts val="1100"/>
+              <a:buNone/>
+            </a:pPr>
+            <a:r>
+              <a:t/>
+            </a:r>
+            <a:endParaRPr/>
+          </a:p>
+        </p:txBody>
+      </p:sp>
+    </p:spTree>
+  </p:cSld>
+  <p:clrMapOvr>
+    <a:masterClrMapping/>
+  </p:clrMapOvr>
+</p:notes>
+</file>
+
+<file path=ppt/notesSlides/notesSlide9.xml><?xml version="1.0" encoding="utf-8"?>
+<p:notes xmlns:a="http://schemas.openxmlformats.org/drawingml/2006/main" xmlns:r="http://schemas.openxmlformats.org/officeDocument/2006/relationships" xmlns:mc="http://schemas.openxmlformats.org/markup-compatibility/2006" xmlns:mv="urn:schemas-microsoft-com:mac:vml" xmlns:p="http://schemas.openxmlformats.org/presentationml/2006/main" xmlns:c="http://schemas.openxmlformats.org/drawingml/2006/chart" xmlns:dgm="http://schemas.openxmlformats.org/drawingml/2006/diagram" xmlns:o="urn:schemas-microsoft-com:office:office" xmlns:v="urn:schemas-microsoft-com:vml" xmlns:pvml="urn:schemas-microsoft-com:office:powerpoint" xmlns:com="http://schemas.openxmlformats.org/drawingml/2006/compatibility" xmlns:p14="http://schemas.microsoft.com/office/powerpoint/2010/main" xmlns:p15="http://schemas.microsoft.com/office/powerpoint/2012/main" xmlns:ahyp="http://schemas.microsoft.com/office/drawing/2018/hyperlinkcolor" showMasterPhAnim="0" showMasterSp="0">
+  <p:cSld>
+    <p:spTree>
+      <p:nvGrpSpPr>
+        <p:cNvPr id="264" name="Shape 264"/>
+        <p:cNvGrpSpPr/>
+        <p:nvPr/>
+      </p:nvGrpSpPr>
+      <p:grpSpPr>
+        <a:xfrm>
+          <a:off x="0" y="0"/>
+          <a:ext cx="0" cy="0"/>
+          <a:chOff x="0" y="0"/>
+          <a:chExt cx="0" cy="0"/>
+        </a:xfrm>
+      </p:grpSpPr>
+      <p:sp>
+        <p:nvSpPr>
+          <p:cNvPr id="265" name="Google Shape;265;p7:notes"/>
+          <p:cNvSpPr/>
+          <p:nvPr>
+            <p:ph idx="2" type="sldImg"/>
+          </p:nvPr>
+        </p:nvSpPr>
+        <p:spPr>
+          <a:xfrm>
+            <a:off x="381300" y="685800"/>
+            <a:ext cx="6096000" cy="3429000"/>
+          </a:xfrm>
+          <a:custGeom>
+            <a:rect b="b" l="l" r="r" t="t"/>
+            <a:pathLst>
+              <a:path extrusionOk="0" h="120000" w="120000">
+                <a:moveTo>
+                  <a:pt x="0" y="0"/>
+                </a:moveTo>
+                <a:lnTo>
+                  <a:pt x="120000" y="0"/>
+                </a:lnTo>
+                <a:lnTo>
+                  <a:pt x="120000" y="120000"/>
+                </a:lnTo>
+                <a:lnTo>
+                  <a:pt x="0" y="120000"/>
+                </a:lnTo>
+                <a:close/>
+              </a:path>
+            </a:pathLst>
+          </a:custGeom>
+          <a:noFill/>
+          <a:ln cap="flat" cmpd="sng" w="9525">
+            <a:solidFill>
+              <a:srgbClr val="000000"/>
+            </a:solidFill>
+            <a:prstDash val="solid"/>
+            <a:round/>
+            <a:headEnd len="sm" w="sm" type="none"/>
+            <a:tailEnd len="sm" w="sm" type="none"/>
+          </a:ln>
+        </p:spPr>
+      </p:sp>
+      <p:sp>
+        <p:nvSpPr>
+          <p:cNvPr id="266" name="Google Shape;266;p7:notes"/>
           <p:cNvSpPr txBox="1"/>
           <p:nvPr>
             <p:ph idx="1" type="body"/>
@@ -23790,7 +23826,7 @@
           <a:blip r:embed="rId3">
             <a:alphaModFix/>
           </a:blip>
-          <a:srcRect b="6440" l="21732" r="1691" t="16983"/>
+          <a:srcRect b="6439" l="21732" r="1690" t="16983"/>
           <a:stretch/>
         </p:blipFill>
         <p:spPr>
@@ -23876,7 +23912,7 @@
           <a:blip r:embed="rId4">
             <a:alphaModFix/>
           </a:blip>
-          <a:srcRect b="2116" l="25721" r="25711" t="2106"/>
+          <a:srcRect b="2115" l="25721" r="25711" t="2106"/>
           <a:stretch/>
         </p:blipFill>
         <p:spPr>
@@ -24909,7 +24945,7 @@
           <a:blip r:embed="rId6">
             <a:alphaModFix/>
           </a:blip>
-          <a:srcRect b="3650" l="0" r="0" t="3661"/>
+          <a:srcRect b="3649" l="0" r="0" t="3661"/>
           <a:stretch/>
         </p:blipFill>
         <p:spPr>
@@ -25732,57 +25768,9 @@
           </a:p>
         </p:txBody>
       </p:sp>
-      <p:sp>
-        <p:nvSpPr>
-          <p:cNvPr id="198" name="Google Shape;198;p3"/>
-          <p:cNvSpPr txBox="1"/>
-          <p:nvPr>
-            <p:ph idx="1" type="subTitle"/>
-          </p:nvPr>
-        </p:nvSpPr>
-        <p:spPr>
-          <a:xfrm>
-            <a:off x="5070325" y="3354840"/>
-            <a:ext cx="2806200" cy="762600"/>
-          </a:xfrm>
-          <a:prstGeom prst="rect">
-            <a:avLst/>
-          </a:prstGeom>
-          <a:noFill/>
-          <a:ln>
-            <a:noFill/>
-          </a:ln>
-        </p:spPr>
-        <p:txBody>
-          <a:bodyPr anchorCtr="0" anchor="t" bIns="91425" lIns="91425" spcFirstLastPara="1" rIns="91425" wrap="square" tIns="91425">
-            <a:noAutofit/>
-          </a:bodyPr>
-          <a:lstStyle/>
-          <a:p>
-            <a:pPr indent="0" lvl="0" marL="0" rtl="0" algn="ctr">
-              <a:lnSpc>
-                <a:spcPct val="100000"/>
-              </a:lnSpc>
-              <a:spcBef>
-                <a:spcPts val="0"/>
-              </a:spcBef>
-              <a:spcAft>
-                <a:spcPts val="0"/>
-              </a:spcAft>
-              <a:buSzPts val="1800"/>
-              <a:buNone/>
-            </a:pPr>
-            <a:r>
-              <a:rPr lang="en"/>
-              <a:t>What technologies were used to develop the project?</a:t>
-            </a:r>
-            <a:endParaRPr/>
-          </a:p>
-        </p:txBody>
-      </p:sp>
       <p:pic>
         <p:nvPicPr>
-          <p:cNvPr id="199" name="Google Shape;199;p3"/>
+          <p:cNvPr id="198" name="Google Shape;198;p3"/>
           <p:cNvPicPr preferRelativeResize="0"/>
           <p:nvPr/>
         </p:nvPicPr>
@@ -25790,7 +25778,7 @@
           <a:blip r:embed="rId3">
             <a:alphaModFix/>
           </a:blip>
-          <a:srcRect b="28" l="11100" r="-11100" t="39"/>
+          <a:srcRect b="27" l="11100" r="-11100" t="39"/>
           <a:stretch/>
         </p:blipFill>
         <p:spPr>
@@ -25809,7 +25797,7 @@
       </p:pic>
       <p:sp>
         <p:nvSpPr>
-          <p:cNvPr id="200" name="Google Shape;200;p3"/>
+          <p:cNvPr id="199" name="Google Shape;199;p3"/>
           <p:cNvSpPr/>
           <p:nvPr/>
         </p:nvSpPr>
@@ -25868,7 +25856,7 @@
       </p:sp>
       <p:pic>
         <p:nvPicPr>
-          <p:cNvPr id="201" name="Google Shape;201;p3"/>
+          <p:cNvPr id="200" name="Google Shape;200;p3"/>
           <p:cNvPicPr preferRelativeResize="0"/>
           <p:nvPr/>
         </p:nvPicPr>
@@ -25876,7 +25864,7 @@
           <a:blip r:embed="rId4">
             <a:alphaModFix/>
           </a:blip>
-          <a:srcRect b="2720" l="13524" r="13523" t="29765"/>
+          <a:srcRect b="2720" l="13524" r="13522" t="29764"/>
           <a:stretch/>
         </p:blipFill>
         <p:spPr>
@@ -25901,7 +25889,7 @@
       </p:pic>
       <p:sp>
         <p:nvSpPr>
-          <p:cNvPr id="202" name="Google Shape;202;p3"/>
+          <p:cNvPr id="201" name="Google Shape;201;p3"/>
           <p:cNvSpPr txBox="1"/>
           <p:nvPr/>
         </p:nvSpPr>
@@ -25967,7 +25955,7 @@
       </p:sp>
       <p:sp>
         <p:nvSpPr>
-          <p:cNvPr id="203" name="Google Shape;203;p3"/>
+          <p:cNvPr id="202" name="Google Shape;202;p3"/>
           <p:cNvSpPr txBox="1"/>
           <p:nvPr/>
         </p:nvSpPr>
@@ -26033,7 +26021,7 @@
       </p:sp>
       <p:grpSp>
         <p:nvGrpSpPr>
-          <p:cNvPr id="204" name="Google Shape;204;p3"/>
+          <p:cNvPr id="203" name="Google Shape;203;p3"/>
           <p:cNvGrpSpPr/>
           <p:nvPr/>
         </p:nvGrpSpPr>
@@ -26047,7 +26035,7 @@
         </p:grpSpPr>
         <p:sp>
           <p:nvSpPr>
-            <p:cNvPr id="205" name="Google Shape;205;p3"/>
+            <p:cNvPr id="204" name="Google Shape;204;p3"/>
             <p:cNvSpPr/>
             <p:nvPr/>
           </p:nvSpPr>
@@ -26134,7 +26122,7 @@
         </p:sp>
         <p:sp>
           <p:nvSpPr>
-            <p:cNvPr id="206" name="Google Shape;206;p3"/>
+            <p:cNvPr id="205" name="Google Shape;205;p3"/>
             <p:cNvSpPr/>
             <p:nvPr/>
           </p:nvSpPr>
@@ -26245,7 +26233,7 @@
         </p:sp>
         <p:sp>
           <p:nvSpPr>
-            <p:cNvPr id="207" name="Google Shape;207;p3"/>
+            <p:cNvPr id="206" name="Google Shape;206;p3"/>
             <p:cNvSpPr/>
             <p:nvPr/>
           </p:nvSpPr>
@@ -26332,7 +26320,7 @@
         </p:sp>
         <p:sp>
           <p:nvSpPr>
-            <p:cNvPr id="208" name="Google Shape;208;p3"/>
+            <p:cNvPr id="207" name="Google Shape;207;p3"/>
             <p:cNvSpPr/>
             <p:nvPr/>
           </p:nvSpPr>
@@ -26419,7 +26407,7 @@
         </p:sp>
         <p:sp>
           <p:nvSpPr>
-            <p:cNvPr id="209" name="Google Shape;209;p3"/>
+            <p:cNvPr id="208" name="Google Shape;208;p3"/>
             <p:cNvSpPr/>
             <p:nvPr/>
           </p:nvSpPr>
@@ -26521,7 +26509,7 @@
   <p:cSld>
     <p:spTree>
       <p:nvGrpSpPr>
-        <p:cNvPr id="213" name="Shape 213"/>
+        <p:cNvPr id="212" name="Shape 212"/>
         <p:cNvGrpSpPr/>
         <p:nvPr/>
       </p:nvGrpSpPr>
@@ -26535,7 +26523,7 @@
       </p:grpSpPr>
       <p:sp>
         <p:nvSpPr>
-          <p:cNvPr id="214" name="Google Shape;214;p4"/>
+          <p:cNvPr id="213" name="Google Shape;213;p4"/>
           <p:cNvSpPr txBox="1"/>
           <p:nvPr>
             <p:ph idx="9" type="title"/>
@@ -26583,391 +26571,7 @@
       </p:sp>
       <p:sp>
         <p:nvSpPr>
-          <p:cNvPr id="215" name="Google Shape;215;p4"/>
-          <p:cNvSpPr txBox="1"/>
-          <p:nvPr>
-            <p:ph type="title"/>
-          </p:nvPr>
-        </p:nvSpPr>
-        <p:spPr>
-          <a:xfrm>
-            <a:off x="626325" y="2213173"/>
-            <a:ext cx="1978200" cy="306000"/>
-          </a:xfrm>
-          <a:prstGeom prst="rect">
-            <a:avLst/>
-          </a:prstGeom>
-          <a:noFill/>
-          <a:ln>
-            <a:noFill/>
-          </a:ln>
-        </p:spPr>
-        <p:txBody>
-          <a:bodyPr anchorCtr="0" anchor="ctr" bIns="91425" lIns="91425" spcFirstLastPara="1" rIns="91425" wrap="square" tIns="91425">
-            <a:noAutofit/>
-          </a:bodyPr>
-          <a:lstStyle/>
-          <a:p>
-            <a:pPr indent="0" lvl="0" marL="0" rtl="0" algn="r">
-              <a:lnSpc>
-                <a:spcPct val="100000"/>
-              </a:lnSpc>
-              <a:spcBef>
-                <a:spcPts val="0"/>
-              </a:spcBef>
-              <a:spcAft>
-                <a:spcPts val="0"/>
-              </a:spcAft>
-              <a:buSzPts val="2500"/>
-              <a:buNone/>
-            </a:pPr>
-            <a:r>
-              <a:rPr lang="en"/>
-              <a:t>TypeScript</a:t>
-            </a:r>
-            <a:endParaRPr/>
-          </a:p>
-        </p:txBody>
-      </p:sp>
-      <p:sp>
-        <p:nvSpPr>
-          <p:cNvPr id="216" name="Google Shape;216;p4"/>
-          <p:cNvSpPr txBox="1"/>
-          <p:nvPr>
-            <p:ph idx="1" type="subTitle"/>
-          </p:nvPr>
-        </p:nvSpPr>
-        <p:spPr>
-          <a:xfrm>
-            <a:off x="0" y="2517100"/>
-            <a:ext cx="2604600" cy="973500"/>
-          </a:xfrm>
-          <a:prstGeom prst="rect">
-            <a:avLst/>
-          </a:prstGeom>
-          <a:noFill/>
-          <a:ln>
-            <a:noFill/>
-          </a:ln>
-        </p:spPr>
-        <p:txBody>
-          <a:bodyPr anchorCtr="0" anchor="t" bIns="91425" lIns="91425" spcFirstLastPara="1" rIns="91425" wrap="square" tIns="91425">
-            <a:noAutofit/>
-          </a:bodyPr>
-          <a:lstStyle/>
-          <a:p>
-            <a:pPr indent="0" lvl="0" marL="0" rtl="0" algn="r">
-              <a:lnSpc>
-                <a:spcPct val="100000"/>
-              </a:lnSpc>
-              <a:spcBef>
-                <a:spcPts val="0"/>
-              </a:spcBef>
-              <a:spcAft>
-                <a:spcPts val="0"/>
-              </a:spcAft>
-              <a:buSzPts val="1400"/>
-              <a:buNone/>
-            </a:pPr>
-            <a:r>
-              <a:rPr lang="en"/>
-              <a:t>TypeScript is the programming language we used.</a:t>
-            </a:r>
-            <a:endParaRPr/>
-          </a:p>
-        </p:txBody>
-      </p:sp>
-      <p:sp>
-        <p:nvSpPr>
-          <p:cNvPr id="217" name="Google Shape;217;p4"/>
-          <p:cNvSpPr txBox="1"/>
-          <p:nvPr>
-            <p:ph idx="2" type="title"/>
-          </p:nvPr>
-        </p:nvSpPr>
-        <p:spPr>
-          <a:xfrm>
-            <a:off x="6747604" y="2213173"/>
-            <a:ext cx="1978200" cy="306000"/>
-          </a:xfrm>
-          <a:prstGeom prst="rect">
-            <a:avLst/>
-          </a:prstGeom>
-          <a:noFill/>
-          <a:ln>
-            <a:noFill/>
-          </a:ln>
-        </p:spPr>
-        <p:txBody>
-          <a:bodyPr anchorCtr="0" anchor="ctr" bIns="91425" lIns="91425" spcFirstLastPara="1" rIns="91425" wrap="square" tIns="91425">
-            <a:noAutofit/>
-          </a:bodyPr>
-          <a:lstStyle/>
-          <a:p>
-            <a:pPr indent="0" lvl="0" marL="0" rtl="0" algn="l">
-              <a:lnSpc>
-                <a:spcPct val="100000"/>
-              </a:lnSpc>
-              <a:spcBef>
-                <a:spcPts val="0"/>
-              </a:spcBef>
-              <a:spcAft>
-                <a:spcPts val="0"/>
-              </a:spcAft>
-              <a:buSzPts val="2500"/>
-              <a:buNone/>
-            </a:pPr>
-            <a:r>
-              <a:rPr lang="en"/>
-              <a:t>mongoDB</a:t>
-            </a:r>
-            <a:endParaRPr/>
-          </a:p>
-        </p:txBody>
-      </p:sp>
-      <p:sp>
-        <p:nvSpPr>
-          <p:cNvPr id="218" name="Google Shape;218;p4"/>
-          <p:cNvSpPr txBox="1"/>
-          <p:nvPr>
-            <p:ph idx="3" type="subTitle"/>
-          </p:nvPr>
-        </p:nvSpPr>
-        <p:spPr>
-          <a:xfrm>
-            <a:off x="6747600" y="2517100"/>
-            <a:ext cx="2179500" cy="869700"/>
-          </a:xfrm>
-          <a:prstGeom prst="rect">
-            <a:avLst/>
-          </a:prstGeom>
-          <a:noFill/>
-          <a:ln>
-            <a:noFill/>
-          </a:ln>
-        </p:spPr>
-        <p:txBody>
-          <a:bodyPr anchorCtr="0" anchor="t" bIns="91425" lIns="91425" spcFirstLastPara="1" rIns="91425" wrap="square" tIns="91425">
-            <a:noAutofit/>
-          </a:bodyPr>
-          <a:lstStyle/>
-          <a:p>
-            <a:pPr indent="0" lvl="0" marL="0" rtl="0" algn="l">
-              <a:lnSpc>
-                <a:spcPct val="100000"/>
-              </a:lnSpc>
-              <a:spcBef>
-                <a:spcPts val="0"/>
-              </a:spcBef>
-              <a:spcAft>
-                <a:spcPts val="0"/>
-              </a:spcAft>
-              <a:buSzPts val="1400"/>
-              <a:buNone/>
-            </a:pPr>
-            <a:r>
-              <a:rPr lang="en"/>
-              <a:t>We used mongoDB for our database.</a:t>
-            </a:r>
-            <a:endParaRPr/>
-          </a:p>
-        </p:txBody>
-      </p:sp>
-      <p:sp>
-        <p:nvSpPr>
-          <p:cNvPr id="219" name="Google Shape;219;p4"/>
-          <p:cNvSpPr txBox="1"/>
-          <p:nvPr>
-            <p:ph idx="4" type="title"/>
-          </p:nvPr>
-        </p:nvSpPr>
-        <p:spPr>
-          <a:xfrm>
-            <a:off x="626325" y="3620068"/>
-            <a:ext cx="1978200" cy="306000"/>
-          </a:xfrm>
-          <a:prstGeom prst="rect">
-            <a:avLst/>
-          </a:prstGeom>
-          <a:noFill/>
-          <a:ln>
-            <a:noFill/>
-          </a:ln>
-        </p:spPr>
-        <p:txBody>
-          <a:bodyPr anchorCtr="0" anchor="ctr" bIns="91425" lIns="91425" spcFirstLastPara="1" rIns="91425" wrap="square" tIns="91425">
-            <a:noAutofit/>
-          </a:bodyPr>
-          <a:lstStyle/>
-          <a:p>
-            <a:pPr indent="0" lvl="0" marL="0" rtl="0" algn="r">
-              <a:lnSpc>
-                <a:spcPct val="100000"/>
-              </a:lnSpc>
-              <a:spcBef>
-                <a:spcPts val="0"/>
-              </a:spcBef>
-              <a:spcAft>
-                <a:spcPts val="0"/>
-              </a:spcAft>
-              <a:buSzPts val="2500"/>
-              <a:buNone/>
-            </a:pPr>
-            <a:r>
-              <a:rPr lang="en"/>
-              <a:t>Next.js</a:t>
-            </a:r>
-            <a:endParaRPr/>
-          </a:p>
-        </p:txBody>
-      </p:sp>
-      <p:sp>
-        <p:nvSpPr>
-          <p:cNvPr id="220" name="Google Shape;220;p4"/>
-          <p:cNvSpPr txBox="1"/>
-          <p:nvPr>
-            <p:ph idx="5" type="subTitle"/>
-          </p:nvPr>
-        </p:nvSpPr>
-        <p:spPr>
-          <a:xfrm>
-            <a:off x="50" y="3924003"/>
-            <a:ext cx="2604600" cy="869700"/>
-          </a:xfrm>
-          <a:prstGeom prst="rect">
-            <a:avLst/>
-          </a:prstGeom>
-          <a:noFill/>
-          <a:ln>
-            <a:noFill/>
-          </a:ln>
-        </p:spPr>
-        <p:txBody>
-          <a:bodyPr anchorCtr="0" anchor="t" bIns="91425" lIns="91425" spcFirstLastPara="1" rIns="91425" wrap="square" tIns="91425">
-            <a:noAutofit/>
-          </a:bodyPr>
-          <a:lstStyle/>
-          <a:p>
-            <a:pPr indent="0" lvl="0" marL="0" rtl="0" algn="r">
-              <a:lnSpc>
-                <a:spcPct val="100000"/>
-              </a:lnSpc>
-              <a:spcBef>
-                <a:spcPts val="0"/>
-              </a:spcBef>
-              <a:spcAft>
-                <a:spcPts val="0"/>
-              </a:spcAft>
-              <a:buSzPts val="1400"/>
-              <a:buNone/>
-            </a:pPr>
-            <a:r>
-              <a:rPr lang="en"/>
-              <a:t>Next.js is a framework that allows us to easily develop and connect the front-end and the back-end.</a:t>
-            </a:r>
-            <a:endParaRPr/>
-          </a:p>
-        </p:txBody>
-      </p:sp>
-      <p:sp>
-        <p:nvSpPr>
-          <p:cNvPr id="221" name="Google Shape;221;p4"/>
-          <p:cNvSpPr txBox="1"/>
-          <p:nvPr>
-            <p:ph idx="6" type="title"/>
-          </p:nvPr>
-        </p:nvSpPr>
-        <p:spPr>
-          <a:xfrm>
-            <a:off x="6747604" y="3620068"/>
-            <a:ext cx="1978200" cy="306000"/>
-          </a:xfrm>
-          <a:prstGeom prst="rect">
-            <a:avLst/>
-          </a:prstGeom>
-          <a:noFill/>
-          <a:ln>
-            <a:noFill/>
-          </a:ln>
-        </p:spPr>
-        <p:txBody>
-          <a:bodyPr anchorCtr="0" anchor="ctr" bIns="91425" lIns="91425" spcFirstLastPara="1" rIns="91425" wrap="square" tIns="91425">
-            <a:noAutofit/>
-          </a:bodyPr>
-          <a:lstStyle/>
-          <a:p>
-            <a:pPr indent="0" lvl="0" marL="0" rtl="0" algn="l">
-              <a:lnSpc>
-                <a:spcPct val="100000"/>
-              </a:lnSpc>
-              <a:spcBef>
-                <a:spcPts val="0"/>
-              </a:spcBef>
-              <a:spcAft>
-                <a:spcPts val="0"/>
-              </a:spcAft>
-              <a:buSzPts val="2500"/>
-              <a:buNone/>
-            </a:pPr>
-            <a:r>
-              <a:rPr lang="en"/>
-              <a:t>Firebase</a:t>
-            </a:r>
-            <a:endParaRPr/>
-          </a:p>
-        </p:txBody>
-      </p:sp>
-      <p:sp>
-        <p:nvSpPr>
-          <p:cNvPr id="222" name="Google Shape;222;p4"/>
-          <p:cNvSpPr txBox="1"/>
-          <p:nvPr>
-            <p:ph idx="7" type="subTitle"/>
-          </p:nvPr>
-        </p:nvSpPr>
-        <p:spPr>
-          <a:xfrm>
-            <a:off x="6747600" y="3924000"/>
-            <a:ext cx="2396400" cy="869700"/>
-          </a:xfrm>
-          <a:prstGeom prst="rect">
-            <a:avLst/>
-          </a:prstGeom>
-          <a:noFill/>
-          <a:ln>
-            <a:noFill/>
-          </a:ln>
-        </p:spPr>
-        <p:txBody>
-          <a:bodyPr anchorCtr="0" anchor="t" bIns="91425" lIns="91425" spcFirstLastPara="1" rIns="91425" wrap="square" tIns="91425">
-            <a:noAutofit/>
-          </a:bodyPr>
-          <a:lstStyle/>
-          <a:p>
-            <a:pPr indent="0" lvl="0" marL="0" rtl="0" algn="l">
-              <a:lnSpc>
-                <a:spcPct val="100000"/>
-              </a:lnSpc>
-              <a:spcBef>
-                <a:spcPts val="0"/>
-              </a:spcBef>
-              <a:spcAft>
-                <a:spcPts val="0"/>
-              </a:spcAft>
-              <a:buSzPts val="1400"/>
-              <a:buNone/>
-            </a:pPr>
-            <a:r>
-              <a:rPr lang="en"/>
-              <a:t>We used Firebase for storing the images in the cloud.</a:t>
-            </a:r>
-            <a:endParaRPr/>
-          </a:p>
-        </p:txBody>
-      </p:sp>
-      <p:sp>
-        <p:nvSpPr>
-          <p:cNvPr id="223" name="Google Shape;223;p4"/>
+          <p:cNvPr id="214" name="Google Shape;214;p4"/>
           <p:cNvSpPr txBox="1"/>
           <p:nvPr>
             <p:ph idx="8" type="subTitle"/>
@@ -26975,8 +26579,8 @@
         </p:nvSpPr>
         <p:spPr>
           <a:xfrm>
-            <a:off x="1936650" y="1381050"/>
-            <a:ext cx="5270700" cy="427500"/>
+            <a:off x="1936650" y="1543050"/>
+            <a:ext cx="5270700" cy="926100"/>
           </a:xfrm>
           <a:prstGeom prst="rect">
             <a:avLst/>
@@ -27006,16 +26610,24 @@
               <a:buNone/>
             </a:pPr>
             <a:r>
-              <a:rPr lang="en" sz="1600"/>
-              <a:t>We have used some modern technologies for the development of our website.</a:t>
+              <a:rPr lang="en" sz="2400"/>
+              <a:t>m</a:t>
             </a:r>
-            <a:endParaRPr sz="1600"/>
+            <a:r>
+              <a:rPr lang="en" sz="2400"/>
+              <a:t>2vira uses</a:t>
+            </a:r>
+            <a:r>
+              <a:rPr lang="en" sz="2400"/>
+              <a:t> some modern technologies for it’s development.</a:t>
+            </a:r>
+            <a:endParaRPr sz="2400"/>
           </a:p>
         </p:txBody>
       </p:sp>
       <p:grpSp>
         <p:nvGrpSpPr>
-          <p:cNvPr id="224" name="Google Shape;224;p4"/>
+          <p:cNvPr id="215" name="Google Shape;215;p4"/>
           <p:cNvGrpSpPr/>
           <p:nvPr/>
         </p:nvGrpSpPr>
@@ -27029,7 +26641,7 @@
         </p:grpSpPr>
         <p:sp>
           <p:nvSpPr>
-            <p:cNvPr id="225" name="Google Shape;225;p4"/>
+            <p:cNvPr id="216" name="Google Shape;216;p4"/>
             <p:cNvSpPr/>
             <p:nvPr/>
           </p:nvSpPr>
@@ -27116,7 +26728,7 @@
         </p:sp>
         <p:sp>
           <p:nvSpPr>
-            <p:cNvPr id="226" name="Google Shape;226;p4"/>
+            <p:cNvPr id="217" name="Google Shape;217;p4"/>
             <p:cNvSpPr/>
             <p:nvPr/>
           </p:nvSpPr>
@@ -27227,7 +26839,7 @@
         </p:sp>
         <p:sp>
           <p:nvSpPr>
-            <p:cNvPr id="227" name="Google Shape;227;p4"/>
+            <p:cNvPr id="218" name="Google Shape;218;p4"/>
             <p:cNvSpPr/>
             <p:nvPr/>
           </p:nvSpPr>
@@ -27314,7 +26926,7 @@
         </p:sp>
         <p:sp>
           <p:nvSpPr>
-            <p:cNvPr id="228" name="Google Shape;228;p4"/>
+            <p:cNvPr id="219" name="Google Shape;219;p4"/>
             <p:cNvSpPr/>
             <p:nvPr/>
           </p:nvSpPr>
@@ -27401,7 +27013,7 @@
         </p:sp>
         <p:sp>
           <p:nvSpPr>
-            <p:cNvPr id="229" name="Google Shape;229;p4"/>
+            <p:cNvPr id="220" name="Google Shape;220;p4"/>
             <p:cNvSpPr/>
             <p:nvPr/>
           </p:nvSpPr>
@@ -27492,7 +27104,7 @@
       </p:grpSp>
       <p:pic>
         <p:nvPicPr>
-          <p:cNvPr id="230" name="Google Shape;230;p4"/>
+          <p:cNvPr id="221" name="Google Shape;221;p4"/>
           <p:cNvPicPr preferRelativeResize="0"/>
           <p:nvPr/>
         </p:nvPicPr>
@@ -27505,8 +27117,8 @@
         </p:blipFill>
         <p:spPr>
           <a:xfrm>
-            <a:off x="2604525" y="2213163"/>
-            <a:ext cx="869699" cy="869699"/>
+            <a:off x="235913" y="2976324"/>
+            <a:ext cx="1163674" cy="1163699"/>
           </a:xfrm>
           <a:prstGeom prst="rect">
             <a:avLst/>
@@ -27519,7 +27131,7 @@
       </p:pic>
       <p:pic>
         <p:nvPicPr>
-          <p:cNvPr id="231" name="Google Shape;231;p4"/>
+          <p:cNvPr id="222" name="Google Shape;222;p4"/>
           <p:cNvPicPr preferRelativeResize="0"/>
           <p:nvPr/>
         </p:nvPicPr>
@@ -27532,8 +27144,8 @@
         </p:blipFill>
         <p:spPr>
           <a:xfrm>
-            <a:off x="4769400" y="2153600"/>
-            <a:ext cx="1978199" cy="533181"/>
+            <a:off x="4582902" y="3271827"/>
+            <a:ext cx="2124851" cy="572700"/>
           </a:xfrm>
           <a:prstGeom prst="rect">
             <a:avLst/>
@@ -27546,7 +27158,7 @@
       </p:pic>
       <p:pic>
         <p:nvPicPr>
-          <p:cNvPr id="232" name="Google Shape;232;p4"/>
+          <p:cNvPr id="223" name="Google Shape;223;p4"/>
           <p:cNvPicPr preferRelativeResize="0"/>
           <p:nvPr/>
         </p:nvPicPr>
@@ -27559,8 +27171,8 @@
         </p:blipFill>
         <p:spPr>
           <a:xfrm>
-            <a:off x="2604525" y="3621600"/>
-            <a:ext cx="1773225" cy="360200"/>
+            <a:off x="1705922" y="3301838"/>
+            <a:ext cx="2523653" cy="512650"/>
           </a:xfrm>
           <a:prstGeom prst="rect">
             <a:avLst/>
@@ -27573,7 +27185,7 @@
       </p:pic>
       <p:pic>
         <p:nvPicPr>
-          <p:cNvPr id="233" name="Google Shape;233;p4"/>
+          <p:cNvPr id="224" name="Google Shape;224;p4"/>
           <p:cNvPicPr preferRelativeResize="0"/>
           <p:nvPr/>
         </p:nvPicPr>
@@ -27586,8 +27198,8 @@
         </p:blipFill>
         <p:spPr>
           <a:xfrm>
-            <a:off x="5081592" y="3515350"/>
-            <a:ext cx="1666010" cy="572700"/>
+            <a:off x="6783249" y="3192975"/>
+            <a:ext cx="2124851" cy="730422"/>
           </a:xfrm>
           <a:prstGeom prst="rect">
             <a:avLst/>
@@ -27611,7 +27223,7 @@
   <p:cSld>
     <p:spTree>
       <p:nvGrpSpPr>
-        <p:cNvPr id="237" name="Shape 237"/>
+        <p:cNvPr id="228" name="Shape 228"/>
         <p:cNvGrpSpPr/>
         <p:nvPr/>
       </p:nvGrpSpPr>
@@ -27625,7 +27237,7 @@
       </p:grpSpPr>
       <p:sp>
         <p:nvSpPr>
-          <p:cNvPr id="238" name="Google Shape;238;p5"/>
+          <p:cNvPr id="229" name="Google Shape;229;p5"/>
           <p:cNvSpPr txBox="1"/>
           <p:nvPr>
             <p:ph type="title"/>
@@ -27673,7 +27285,7 @@
       </p:sp>
       <p:sp>
         <p:nvSpPr>
-          <p:cNvPr id="239" name="Google Shape;239;p5"/>
+          <p:cNvPr id="230" name="Google Shape;230;p5"/>
           <p:cNvSpPr txBox="1"/>
           <p:nvPr>
             <p:ph idx="2" type="title"/>
@@ -27723,7 +27335,7 @@
       </p:sp>
       <p:pic>
         <p:nvPicPr>
-          <p:cNvPr id="240" name="Google Shape;240;p5"/>
+          <p:cNvPr id="231" name="Google Shape;231;p5"/>
           <p:cNvPicPr preferRelativeResize="0"/>
           <p:nvPr/>
         </p:nvPicPr>
@@ -27731,7 +27343,7 @@
           <a:blip r:embed="rId3">
             <a:alphaModFix/>
           </a:blip>
-          <a:srcRect b="0" l="-9356" r="20238" t="0"/>
+          <a:srcRect b="0" l="-9356" r="20237" t="0"/>
           <a:stretch/>
         </p:blipFill>
         <p:spPr>
@@ -27750,7 +27362,7 @@
       </p:pic>
       <p:sp>
         <p:nvSpPr>
-          <p:cNvPr id="241" name="Google Shape;241;p5"/>
+          <p:cNvPr id="232" name="Google Shape;232;p5"/>
           <p:cNvSpPr/>
           <p:nvPr/>
         </p:nvSpPr>
@@ -27809,7 +27421,7 @@
       </p:sp>
       <p:pic>
         <p:nvPicPr>
-          <p:cNvPr id="242" name="Google Shape;242;p5"/>
+          <p:cNvPr id="233" name="Google Shape;233;p5"/>
           <p:cNvPicPr preferRelativeResize="0"/>
           <p:nvPr/>
         </p:nvPicPr>
@@ -27842,7 +27454,7 @@
       </p:pic>
       <p:sp>
         <p:nvSpPr>
-          <p:cNvPr id="243" name="Google Shape;243;p5"/>
+          <p:cNvPr id="234" name="Google Shape;234;p5"/>
           <p:cNvSpPr txBox="1"/>
           <p:nvPr/>
         </p:nvSpPr>
@@ -27939,7 +27551,7 @@
       </p:sp>
       <p:sp>
         <p:nvSpPr>
-          <p:cNvPr id="244" name="Google Shape;244;p5"/>
+          <p:cNvPr id="235" name="Google Shape;235;p5"/>
           <p:cNvSpPr txBox="1"/>
           <p:nvPr/>
         </p:nvSpPr>
@@ -28036,7 +27648,7 @@
       </p:sp>
       <p:pic>
         <p:nvPicPr>
-          <p:cNvPr id="245" name="Google Shape;245;p5"/>
+          <p:cNvPr id="236" name="Google Shape;236;p5"/>
           <p:cNvPicPr preferRelativeResize="0"/>
           <p:nvPr/>
         </p:nvPicPr>
@@ -28074,7 +27686,7 @@
   <p:cSld>
     <p:spTree>
       <p:nvGrpSpPr>
-        <p:cNvPr id="249" name="Shape 249"/>
+        <p:cNvPr id="240" name="Shape 240"/>
         <p:cNvGrpSpPr/>
         <p:nvPr/>
       </p:nvGrpSpPr>
@@ -28088,7 +27700,7 @@
       </p:grpSpPr>
       <p:sp>
         <p:nvSpPr>
-          <p:cNvPr id="250" name="Google Shape;250;g2a7317a0545_0_0"/>
+          <p:cNvPr id="241" name="Google Shape;241;g2a7317a0545_0_0"/>
           <p:cNvSpPr txBox="1"/>
           <p:nvPr>
             <p:ph type="title"/>
@@ -28102,6 +27714,10 @@
           <a:prstGeom prst="rect">
             <a:avLst/>
           </a:prstGeom>
+          <a:noFill/>
+          <a:ln>
+            <a:noFill/>
+          </a:ln>
         </p:spPr>
         <p:txBody>
           <a:bodyPr anchorCtr="0" anchor="b" bIns="91425" lIns="91425" spcFirstLastPara="1" rIns="91425" wrap="square" tIns="91425">
@@ -28110,12 +27726,16 @@
           <a:lstStyle/>
           <a:p>
             <a:pPr indent="0" lvl="0" marL="0" rtl="0" algn="ctr">
-              <a:spcBef>
-                <a:spcPts val="0"/>
-              </a:spcBef>
-              <a:spcAft>
-                <a:spcPts val="0"/>
-              </a:spcAft>
+              <a:lnSpc>
+                <a:spcPct val="100000"/>
+              </a:lnSpc>
+              <a:spcBef>
+                <a:spcPts val="0"/>
+              </a:spcBef>
+              <a:spcAft>
+                <a:spcPts val="0"/>
+              </a:spcAft>
+              <a:buSzPts val="3600"/>
               <a:buNone/>
             </a:pPr>
             <a:r>
@@ -28128,17 +27748,16 @@
       </p:sp>
       <p:pic>
         <p:nvPicPr>
-          <p:cNvPr id="251" name="Google Shape;251;g2a7317a0545_0_0"/>
+          <p:cNvPr id="242" name="Google Shape;242;g2a7317a0545_0_0"/>
           <p:cNvPicPr preferRelativeResize="0"/>
           <p:nvPr/>
         </p:nvPicPr>
-        <p:blipFill>
+        <p:blipFill rotWithShape="1">
           <a:blip r:embed="rId3">
             <a:alphaModFix/>
           </a:blip>
-          <a:stretch>
-            <a:fillRect/>
-          </a:stretch>
+          <a:srcRect b="0" l="0" r="0" t="0"/>
+          <a:stretch/>
         </p:blipFill>
         <p:spPr>
           <a:xfrm>
@@ -28156,17 +27775,16 @@
       </p:pic>
       <p:pic>
         <p:nvPicPr>
-          <p:cNvPr id="252" name="Google Shape;252;g2a7317a0545_0_0"/>
+          <p:cNvPr id="243" name="Google Shape;243;g2a7317a0545_0_0"/>
           <p:cNvPicPr preferRelativeResize="0"/>
           <p:nvPr/>
         </p:nvPicPr>
-        <p:blipFill>
+        <p:blipFill rotWithShape="1">
           <a:blip r:embed="rId4">
             <a:alphaModFix/>
           </a:blip>
-          <a:stretch>
-            <a:fillRect/>
-          </a:stretch>
+          <a:srcRect b="0" l="0" r="0" t="0"/>
+          <a:stretch/>
         </p:blipFill>
         <p:spPr>
           <a:xfrm>
@@ -28184,17 +27802,16 @@
       </p:pic>
       <p:pic>
         <p:nvPicPr>
-          <p:cNvPr id="253" name="Google Shape;253;g2a7317a0545_0_0"/>
+          <p:cNvPr id="244" name="Google Shape;244;g2a7317a0545_0_0"/>
           <p:cNvPicPr preferRelativeResize="0"/>
           <p:nvPr/>
         </p:nvPicPr>
-        <p:blipFill>
+        <p:blipFill rotWithShape="1">
           <a:blip r:embed="rId5">
             <a:alphaModFix/>
           </a:blip>
-          <a:stretch>
-            <a:fillRect/>
-          </a:stretch>
+          <a:srcRect b="0" l="0" r="0" t="0"/>
+          <a:stretch/>
         </p:blipFill>
         <p:spPr>
           <a:xfrm>
@@ -28223,7 +27840,7 @@
   <p:cSld>
     <p:spTree>
       <p:nvGrpSpPr>
-        <p:cNvPr id="257" name="Shape 257"/>
+        <p:cNvPr id="248" name="Shape 248"/>
         <p:cNvGrpSpPr/>
         <p:nvPr/>
       </p:nvGrpSpPr>
@@ -28237,7 +27854,7 @@
       </p:grpSpPr>
       <p:sp>
         <p:nvSpPr>
-          <p:cNvPr id="258" name="Google Shape;258;g2a7317a0545_1_3"/>
+          <p:cNvPr id="249" name="Google Shape;249;g2a7317a0545_1_3"/>
           <p:cNvSpPr txBox="1"/>
           <p:nvPr>
             <p:ph type="title"/>
@@ -28251,6 +27868,10 @@
           <a:prstGeom prst="rect">
             <a:avLst/>
           </a:prstGeom>
+          <a:noFill/>
+          <a:ln>
+            <a:noFill/>
+          </a:ln>
         </p:spPr>
         <p:txBody>
           <a:bodyPr anchorCtr="0" anchor="b" bIns="91425" lIns="91425" spcFirstLastPara="1" rIns="91425" wrap="square" tIns="91425">
@@ -28259,12 +27880,16 @@
           <a:lstStyle/>
           <a:p>
             <a:pPr indent="0" lvl="0" marL="0" rtl="0" algn="ctr">
-              <a:spcBef>
-                <a:spcPts val="0"/>
-              </a:spcBef>
-              <a:spcAft>
-                <a:spcPts val="0"/>
-              </a:spcAft>
+              <a:lnSpc>
+                <a:spcPct val="100000"/>
+              </a:lnSpc>
+              <a:spcBef>
+                <a:spcPts val="0"/>
+              </a:spcBef>
+              <a:spcAft>
+                <a:spcPts val="0"/>
+              </a:spcAft>
+              <a:buSzPts val="3600"/>
               <a:buNone/>
             </a:pPr>
             <a:r>
@@ -28277,17 +27902,16 @@
       </p:sp>
       <p:pic>
         <p:nvPicPr>
-          <p:cNvPr id="259" name="Google Shape;259;g2a7317a0545_1_3"/>
+          <p:cNvPr id="250" name="Google Shape;250;g2a7317a0545_1_3"/>
           <p:cNvPicPr preferRelativeResize="0"/>
           <p:nvPr/>
         </p:nvPicPr>
-        <p:blipFill>
+        <p:blipFill rotWithShape="1">
           <a:blip r:embed="rId3">
             <a:alphaModFix/>
           </a:blip>
-          <a:stretch>
-            <a:fillRect/>
-          </a:stretch>
+          <a:srcRect b="0" l="0" r="0" t="0"/>
+          <a:stretch/>
         </p:blipFill>
         <p:spPr>
           <a:xfrm>
@@ -28305,17 +27929,16 @@
       </p:pic>
       <p:pic>
         <p:nvPicPr>
-          <p:cNvPr id="260" name="Google Shape;260;g2a7317a0545_1_3"/>
+          <p:cNvPr id="251" name="Google Shape;251;g2a7317a0545_1_3"/>
           <p:cNvPicPr preferRelativeResize="0"/>
           <p:nvPr/>
         </p:nvPicPr>
-        <p:blipFill>
+        <p:blipFill rotWithShape="1">
           <a:blip r:embed="rId4">
             <a:alphaModFix/>
           </a:blip>
-          <a:stretch>
-            <a:fillRect/>
-          </a:stretch>
+          <a:srcRect b="0" l="0" r="0" t="0"/>
+          <a:stretch/>
         </p:blipFill>
         <p:spPr>
           <a:xfrm>
@@ -28356,7 +27979,7 @@
     </p:bg>
     <p:spTree>
       <p:nvGrpSpPr>
-        <p:cNvPr id="264" name="Shape 264"/>
+        <p:cNvPr id="255" name="Shape 255"/>
         <p:cNvGrpSpPr/>
         <p:nvPr/>
       </p:nvGrpSpPr>
@@ -28370,7 +27993,7 @@
       </p:grpSpPr>
       <p:sp>
         <p:nvSpPr>
-          <p:cNvPr id="265" name="Google Shape;265;p6"/>
+          <p:cNvPr id="256" name="Google Shape;256;p6"/>
           <p:cNvSpPr txBox="1"/>
           <p:nvPr>
             <p:ph idx="1" type="body"/>
@@ -28427,7 +28050,7 @@
       </p:sp>
       <p:grpSp>
         <p:nvGrpSpPr>
-          <p:cNvPr id="266" name="Google Shape;266;p6"/>
+          <p:cNvPr id="257" name="Google Shape;257;p6"/>
           <p:cNvGrpSpPr/>
           <p:nvPr/>
         </p:nvGrpSpPr>
@@ -28441,7 +28064,7 @@
         </p:grpSpPr>
         <p:sp>
           <p:nvSpPr>
-            <p:cNvPr id="267" name="Google Shape;267;p6"/>
+            <p:cNvPr id="258" name="Google Shape;258;p6"/>
             <p:cNvSpPr/>
             <p:nvPr/>
           </p:nvSpPr>
@@ -28528,7 +28151,7 @@
         </p:sp>
         <p:sp>
           <p:nvSpPr>
-            <p:cNvPr id="268" name="Google Shape;268;p6"/>
+            <p:cNvPr id="259" name="Google Shape;259;p6"/>
             <p:cNvSpPr/>
             <p:nvPr/>
           </p:nvSpPr>
@@ -28639,7 +28262,7 @@
         </p:sp>
         <p:sp>
           <p:nvSpPr>
-            <p:cNvPr id="269" name="Google Shape;269;p6"/>
+            <p:cNvPr id="260" name="Google Shape;260;p6"/>
             <p:cNvSpPr/>
             <p:nvPr/>
           </p:nvSpPr>
@@ -28726,7 +28349,7 @@
         </p:sp>
         <p:sp>
           <p:nvSpPr>
-            <p:cNvPr id="270" name="Google Shape;270;p6"/>
+            <p:cNvPr id="261" name="Google Shape;261;p6"/>
             <p:cNvSpPr/>
             <p:nvPr/>
           </p:nvSpPr>
@@ -28813,7 +28436,7 @@
         </p:sp>
         <p:sp>
           <p:nvSpPr>
-            <p:cNvPr id="271" name="Google Shape;271;p6"/>
+            <p:cNvPr id="262" name="Google Shape;262;p6"/>
             <p:cNvSpPr/>
             <p:nvPr/>
           </p:nvSpPr>
@@ -28904,7 +28527,7 @@
       </p:grpSp>
       <p:pic>
         <p:nvPicPr>
-          <p:cNvPr id="272" name="Google Shape;272;p6"/>
+          <p:cNvPr id="263" name="Google Shape;263;p6"/>
           <p:cNvPicPr preferRelativeResize="0"/>
           <p:nvPr/>
         </p:nvPicPr>
@@ -28942,7 +28565,7 @@
   <p:cSld>
     <p:spTree>
       <p:nvGrpSpPr>
-        <p:cNvPr id="276" name="Shape 276"/>
+        <p:cNvPr id="267" name="Shape 267"/>
         <p:cNvGrpSpPr/>
         <p:nvPr/>
       </p:nvGrpSpPr>
@@ -28956,7 +28579,7 @@
       </p:grpSpPr>
       <p:sp>
         <p:nvSpPr>
-          <p:cNvPr id="277" name="Google Shape;277;p7"/>
+          <p:cNvPr id="268" name="Google Shape;268;p7"/>
           <p:cNvSpPr txBox="1"/>
           <p:nvPr>
             <p:ph type="title"/>
@@ -29004,7 +28627,7 @@
       </p:sp>
       <p:pic>
         <p:nvPicPr>
-          <p:cNvPr id="278" name="Google Shape;278;p7"/>
+          <p:cNvPr id="269" name="Google Shape;269;p7"/>
           <p:cNvPicPr preferRelativeResize="0"/>
           <p:nvPr/>
         </p:nvPicPr>
@@ -29012,7 +28635,7 @@
           <a:blip r:embed="rId3">
             <a:alphaModFix/>
           </a:blip>
-          <a:srcRect b="28" l="-15539" r="15540" t="39"/>
+          <a:srcRect b="27" l="-15539" r="15540" t="39"/>
           <a:stretch/>
         </p:blipFill>
         <p:spPr>
@@ -29031,7 +28654,7 @@
       </p:pic>
       <p:sp>
         <p:nvSpPr>
-          <p:cNvPr id="279" name="Google Shape;279;p7"/>
+          <p:cNvPr id="270" name="Google Shape;270;p7"/>
           <p:cNvSpPr/>
           <p:nvPr/>
         </p:nvSpPr>
@@ -29090,7 +28713,7 @@
       </p:sp>
       <p:pic>
         <p:nvPicPr>
-          <p:cNvPr id="280" name="Google Shape;280;p7"/>
+          <p:cNvPr id="271" name="Google Shape;271;p7"/>
           <p:cNvPicPr preferRelativeResize="0"/>
           <p:nvPr/>
         </p:nvPicPr>
@@ -29123,7 +28746,7 @@
       </p:pic>
       <p:sp>
         <p:nvSpPr>
-          <p:cNvPr id="281" name="Google Shape;281;p7"/>
+          <p:cNvPr id="272" name="Google Shape;272;p7"/>
           <p:cNvSpPr txBox="1"/>
           <p:nvPr/>
         </p:nvSpPr>
@@ -29189,7 +28812,7 @@
       </p:sp>
       <p:sp>
         <p:nvSpPr>
-          <p:cNvPr id="282" name="Google Shape;282;p7"/>
+          <p:cNvPr id="273" name="Google Shape;273;p7"/>
           <p:cNvSpPr txBox="1"/>
           <p:nvPr/>
         </p:nvSpPr>
@@ -29255,7 +28878,7 @@
       </p:sp>
       <p:sp>
         <p:nvSpPr>
-          <p:cNvPr id="283" name="Google Shape;283;p7"/>
+          <p:cNvPr id="274" name="Google Shape;274;p7"/>
           <p:cNvSpPr txBox="1"/>
           <p:nvPr>
             <p:ph type="title"/>
@@ -29303,7 +28926,7 @@
       </p:sp>
       <p:pic>
         <p:nvPicPr>
-          <p:cNvPr id="284" name="Google Shape;284;p7"/>
+          <p:cNvPr id="275" name="Google Shape;275;p7"/>
           <p:cNvPicPr preferRelativeResize="0"/>
           <p:nvPr/>
         </p:nvPicPr>
@@ -29337,6 +28960,285 @@
 </file>
 
 <file path=ppt/theme/theme1.xml><?xml version="1.0" encoding="utf-8"?>
+<a:theme xmlns:a="http://schemas.openxmlformats.org/drawingml/2006/main" xmlns:r="http://schemas.openxmlformats.org/officeDocument/2006/relationships" name="Modern Clothing Catalog by Slidesgo">
+  <a:themeElements>
+    <a:clrScheme name="Simple Light">
+      <a:dk1>
+        <a:srgbClr val="22201F"/>
+      </a:dk1>
+      <a:lt1>
+        <a:srgbClr val="EBDECC"/>
+      </a:lt1>
+      <a:dk2>
+        <a:srgbClr val="ECAE78"/>
+      </a:dk2>
+      <a:lt2>
+        <a:srgbClr val="FFFFFF"/>
+      </a:lt2>
+      <a:accent1>
+        <a:srgbClr val="FFFFFF"/>
+      </a:accent1>
+      <a:accent2>
+        <a:srgbClr val="FFFFFF"/>
+      </a:accent2>
+      <a:accent3>
+        <a:srgbClr val="FFFFFF"/>
+      </a:accent3>
+      <a:accent4>
+        <a:srgbClr val="FFFFFF"/>
+      </a:accent4>
+      <a:accent5>
+        <a:srgbClr val="FFFFFF"/>
+      </a:accent5>
+      <a:accent6>
+        <a:srgbClr val="FFFFFF"/>
+      </a:accent6>
+      <a:hlink>
+        <a:srgbClr val="22201F"/>
+      </a:hlink>
+      <a:folHlink>
+        <a:srgbClr val="0097A7"/>
+      </a:folHlink>
+    </a:clrScheme>
+    <a:fontScheme name="Office">
+      <a:majorFont>
+        <a:latin typeface="Arial"/>
+        <a:ea typeface=""/>
+        <a:cs typeface=""/>
+        <a:font script="Jpan" typeface="ＭＳ Ｐゴシック"/>
+        <a:font script="Hang" typeface="맑은 고딕"/>
+        <a:font script="Hans" typeface="宋体"/>
+        <a:font script="Hant" typeface="新細明體"/>
+        <a:font script="Arab" typeface="Times New Roman"/>
+        <a:font script="Hebr" typeface="Times New Roman"/>
+        <a:font script="Thai" typeface="Angsana New"/>
+        <a:font script="Ethi" typeface="Nyala"/>
+        <a:font script="Beng" typeface="Vrinda"/>
+        <a:font script="Gujr" typeface="Shruti"/>
+        <a:font script="Khmr" typeface="MoolBoran"/>
+        <a:font script="Knda" typeface="Tunga"/>
+        <a:font script="Guru" typeface="Raavi"/>
+        <a:font script="Cans" typeface="Euphemia"/>
+        <a:font script="Cher" typeface="Plantagenet Cherokee"/>
+        <a:font script="Yiii" typeface="Microsoft Yi Baiti"/>
+        <a:font script="Tibt" typeface="Microsoft Himalaya"/>
+        <a:font script="Thaa" typeface="MV Boli"/>
+        <a:font script="Deva" typeface="Mangal"/>
+        <a:font script="Telu" typeface="Gautami"/>
+        <a:font script="Taml" typeface="Latha"/>
+        <a:font script="Syrc" typeface="Estrangelo Edessa"/>
+        <a:font script="Orya" typeface="Kalinga"/>
+        <a:font script="Mlym" typeface="Kartika"/>
+        <a:font script="Laoo" typeface="DokChampa"/>
+        <a:font script="Sinh" typeface="Iskoola Pota"/>
+        <a:font script="Mong" typeface="Mongolian Baiti"/>
+        <a:font script="Viet" typeface="Times New Roman"/>
+        <a:font script="Uigh" typeface="Microsoft Uighur"/>
+        <a:font script="Geor" typeface="Sylfaen"/>
+      </a:majorFont>
+      <a:minorFont>
+        <a:latin typeface="Arial"/>
+        <a:ea typeface=""/>
+        <a:cs typeface=""/>
+        <a:font script="Jpan" typeface="ＭＳ Ｐゴシック"/>
+        <a:font script="Hang" typeface="맑은 고딕"/>
+        <a:font script="Hans" typeface="宋体"/>
+        <a:font script="Hant" typeface="新細明體"/>
+        <a:font script="Arab" typeface="Arial"/>
+        <a:font script="Hebr" typeface="Arial"/>
+        <a:font script="Thai" typeface="Cordia New"/>
+        <a:font script="Ethi" typeface="Nyala"/>
+        <a:font script="Beng" typeface="Vrinda"/>
+        <a:font script="Gujr" typeface="Shruti"/>
+        <a:font script="Khmr" typeface="DaunPenh"/>
+        <a:font script="Knda" typeface="Tunga"/>
+        <a:font script="Guru" typeface="Raavi"/>
+        <a:font script="Cans" typeface="Euphemia"/>
+        <a:font script="Cher" typeface="Plantagenet Cherokee"/>
+        <a:font script="Yiii" typeface="Microsoft Yi Baiti"/>
+        <a:font script="Tibt" typeface="Microsoft Himalaya"/>
+        <a:font script="Thaa" typeface="MV Boli"/>
+        <a:font script="Deva" typeface="Mangal"/>
+        <a:font script="Telu" typeface="Gautami"/>
+        <a:font script="Taml" typeface="Latha"/>
+        <a:font script="Syrc" typeface="Estrangelo Edessa"/>
+        <a:font script="Orya" typeface="Kalinga"/>
+        <a:font script="Mlym" typeface="Kartika"/>
+        <a:font script="Laoo" typeface="DokChampa"/>
+        <a:font script="Sinh" typeface="Iskoola Pota"/>
+        <a:font script="Mong" typeface="Mongolian Baiti"/>
+        <a:font script="Viet" typeface="Arial"/>
+        <a:font script="Uigh" typeface="Microsoft Uighur"/>
+        <a:font script="Geor" typeface="Sylfaen"/>
+      </a:minorFont>
+    </a:fontScheme>
+    <a:fmtScheme name="Office">
+      <a:fillStyleLst>
+        <a:solidFill>
+          <a:schemeClr val="phClr"/>
+        </a:solidFill>
+        <a:gradFill rotWithShape="1">
+          <a:gsLst>
+            <a:gs pos="0">
+              <a:schemeClr val="phClr">
+                <a:tint val="50000"/>
+                <a:satMod val="300000"/>
+              </a:schemeClr>
+            </a:gs>
+            <a:gs pos="35000">
+              <a:schemeClr val="phClr">
+                <a:tint val="37000"/>
+                <a:satMod val="300000"/>
+              </a:schemeClr>
+            </a:gs>
+            <a:gs pos="100000">
+              <a:schemeClr val="phClr">
+                <a:tint val="15000"/>
+                <a:satMod val="350000"/>
+              </a:schemeClr>
+            </a:gs>
+          </a:gsLst>
+          <a:lin ang="16200000" scaled="1"/>
+        </a:gradFill>
+        <a:gradFill rotWithShape="1">
+          <a:gsLst>
+            <a:gs pos="0">
+              <a:schemeClr val="phClr">
+                <a:tint val="100000"/>
+                <a:shade val="100000"/>
+                <a:satMod val="130000"/>
+              </a:schemeClr>
+            </a:gs>
+            <a:gs pos="100000">
+              <a:schemeClr val="phClr">
+                <a:tint val="50000"/>
+                <a:shade val="100000"/>
+                <a:satMod val="350000"/>
+              </a:schemeClr>
+            </a:gs>
+          </a:gsLst>
+          <a:lin ang="16200000" scaled="0"/>
+        </a:gradFill>
+      </a:fillStyleLst>
+      <a:lnStyleLst>
+        <a:ln w="9525" cap="flat" cmpd="sng" algn="ctr">
+          <a:solidFill>
+            <a:schemeClr val="phClr">
+              <a:shade val="95000"/>
+              <a:satMod val="105000"/>
+            </a:schemeClr>
+          </a:solidFill>
+          <a:prstDash val="solid"/>
+        </a:ln>
+        <a:ln w="25400" cap="flat" cmpd="sng" algn="ctr">
+          <a:solidFill>
+            <a:schemeClr val="phClr"/>
+          </a:solidFill>
+          <a:prstDash val="solid"/>
+        </a:ln>
+        <a:ln w="38100" cap="flat" cmpd="sng" algn="ctr">
+          <a:solidFill>
+            <a:schemeClr val="phClr"/>
+          </a:solidFill>
+          <a:prstDash val="solid"/>
+        </a:ln>
+      </a:lnStyleLst>
+      <a:effectStyleLst>
+        <a:effectStyle>
+          <a:effectLst>
+            <a:outerShdw blurRad="40000" dist="20000" dir="5400000" rotWithShape="0">
+              <a:srgbClr val="000000">
+                <a:alpha val="38000"/>
+              </a:srgbClr>
+            </a:outerShdw>
+          </a:effectLst>
+        </a:effectStyle>
+        <a:effectStyle>
+          <a:effectLst>
+            <a:outerShdw blurRad="40000" dist="23000" dir="5400000" rotWithShape="0">
+              <a:srgbClr val="000000">
+                <a:alpha val="35000"/>
+              </a:srgbClr>
+            </a:outerShdw>
+          </a:effectLst>
+        </a:effectStyle>
+        <a:effectStyle>
+          <a:effectLst>
+            <a:outerShdw blurRad="40000" dist="23000" dir="5400000" rotWithShape="0">
+              <a:srgbClr val="000000">
+                <a:alpha val="35000"/>
+              </a:srgbClr>
+            </a:outerShdw>
+          </a:effectLst>
+          <a:scene3d>
+            <a:camera prst="orthographicFront">
+              <a:rot lat="0" lon="0" rev="0"/>
+            </a:camera>
+            <a:lightRig rig="threePt" dir="t">
+              <a:rot lat="0" lon="0" rev="1200000"/>
+            </a:lightRig>
+          </a:scene3d>
+          <a:sp3d>
+            <a:bevelT w="63500" h="25400"/>
+          </a:sp3d>
+        </a:effectStyle>
+      </a:effectStyleLst>
+      <a:bgFillStyleLst>
+        <a:solidFill>
+          <a:schemeClr val="phClr"/>
+        </a:solidFill>
+        <a:gradFill rotWithShape="1">
+          <a:gsLst>
+            <a:gs pos="0">
+              <a:schemeClr val="phClr">
+                <a:tint val="40000"/>
+                <a:satMod val="350000"/>
+              </a:schemeClr>
+            </a:gs>
+            <a:gs pos="40000">
+              <a:schemeClr val="phClr">
+                <a:tint val="45000"/>
+                <a:shade val="99000"/>
+                <a:satMod val="350000"/>
+              </a:schemeClr>
+            </a:gs>
+            <a:gs pos="100000">
+              <a:schemeClr val="phClr">
+                <a:shade val="20000"/>
+                <a:satMod val="255000"/>
+              </a:schemeClr>
+            </a:gs>
+          </a:gsLst>
+          <a:path path="circle">
+            <a:fillToRect l="50000" t="-80000" r="50000" b="180000"/>
+          </a:path>
+        </a:gradFill>
+        <a:gradFill rotWithShape="1">
+          <a:gsLst>
+            <a:gs pos="0">
+              <a:schemeClr val="phClr">
+                <a:tint val="80000"/>
+                <a:satMod val="300000"/>
+              </a:schemeClr>
+            </a:gs>
+            <a:gs pos="100000">
+              <a:schemeClr val="phClr">
+                <a:shade val="30000"/>
+                <a:satMod val="200000"/>
+              </a:schemeClr>
+            </a:gs>
+          </a:gsLst>
+          <a:path path="circle">
+            <a:fillToRect l="50000" t="50000" r="50000" b="50000"/>
+          </a:path>
+        </a:gradFill>
+      </a:bgFillStyleLst>
+    </a:fmtScheme>
+  </a:themeElements>
+</a:theme>
+</file>
+
+<file path=ppt/theme/theme2.xml><?xml version="1.0" encoding="utf-8"?>
 <a:theme xmlns:a="http://schemas.openxmlformats.org/drawingml/2006/main" xmlns:r="http://schemas.openxmlformats.org/officeDocument/2006/relationships">
   <a:themeElements>
     <a:clrScheme name="Default">
@@ -29613,283 +29515,4 @@
     </a:fmtScheme>
   </a:themeElements>
 </a:theme>
-</file>
-
-<file path=ppt/theme/theme2.xml><?xml version="1.0" encoding="utf-8"?>
-<a:theme xmlns:a="http://schemas.openxmlformats.org/drawingml/2006/main" xmlns:r="http://schemas.openxmlformats.org/officeDocument/2006/relationships" name="Modern Clothing Catalog by Slidesgo">
-  <a:themeElements>
-    <a:clrScheme name="Simple Light">
-      <a:dk1>
-        <a:srgbClr val="22201F"/>
-      </a:dk1>
-      <a:lt1>
-        <a:srgbClr val="EBDECC"/>
-      </a:lt1>
-      <a:dk2>
-        <a:srgbClr val="ECAE78"/>
-      </a:dk2>
-      <a:lt2>
-        <a:srgbClr val="FFFFFF"/>
-      </a:lt2>
-      <a:accent1>
-        <a:srgbClr val="FFFFFF"/>
-      </a:accent1>
-      <a:accent2>
-        <a:srgbClr val="FFFFFF"/>
-      </a:accent2>
-      <a:accent3>
-        <a:srgbClr val="FFFFFF"/>
-      </a:accent3>
-      <a:accent4>
-        <a:srgbClr val="FFFFFF"/>
-      </a:accent4>
-      <a:accent5>
-        <a:srgbClr val="FFFFFF"/>
-      </a:accent5>
-      <a:accent6>
-        <a:srgbClr val="FFFFFF"/>
-      </a:accent6>
-      <a:hlink>
-        <a:srgbClr val="22201F"/>
-      </a:hlink>
-      <a:folHlink>
-        <a:srgbClr val="0097A7"/>
-      </a:folHlink>
-    </a:clrScheme>
-    <a:fontScheme name="Office">
-      <a:majorFont>
-        <a:latin typeface="Arial"/>
-        <a:ea typeface=""/>
-        <a:cs typeface=""/>
-        <a:font script="Jpan" typeface="ＭＳ Ｐゴシック"/>
-        <a:font script="Hang" typeface="맑은 고딕"/>
-        <a:font script="Hans" typeface="宋体"/>
-        <a:font script="Hant" typeface="新細明體"/>
-        <a:font script="Arab" typeface="Times New Roman"/>
-        <a:font script="Hebr" typeface="Times New Roman"/>
-        <a:font script="Thai" typeface="Angsana New"/>
-        <a:font script="Ethi" typeface="Nyala"/>
-        <a:font script="Beng" typeface="Vrinda"/>
-        <a:font script="Gujr" typeface="Shruti"/>
-        <a:font script="Khmr" typeface="MoolBoran"/>
-        <a:font script="Knda" typeface="Tunga"/>
-        <a:font script="Guru" typeface="Raavi"/>
-        <a:font script="Cans" typeface="Euphemia"/>
-        <a:font script="Cher" typeface="Plantagenet Cherokee"/>
-        <a:font script="Yiii" typeface="Microsoft Yi Baiti"/>
-        <a:font script="Tibt" typeface="Microsoft Himalaya"/>
-        <a:font script="Thaa" typeface="MV Boli"/>
-        <a:font script="Deva" typeface="Mangal"/>
-        <a:font script="Telu" typeface="Gautami"/>
-        <a:font script="Taml" typeface="Latha"/>
-        <a:font script="Syrc" typeface="Estrangelo Edessa"/>
-        <a:font script="Orya" typeface="Kalinga"/>
-        <a:font script="Mlym" typeface="Kartika"/>
-        <a:font script="Laoo" typeface="DokChampa"/>
-        <a:font script="Sinh" typeface="Iskoola Pota"/>
-        <a:font script="Mong" typeface="Mongolian Baiti"/>
-        <a:font script="Viet" typeface="Times New Roman"/>
-        <a:font script="Uigh" typeface="Microsoft Uighur"/>
-        <a:font script="Geor" typeface="Sylfaen"/>
-      </a:majorFont>
-      <a:minorFont>
-        <a:latin typeface="Arial"/>
-        <a:ea typeface=""/>
-        <a:cs typeface=""/>
-        <a:font script="Jpan" typeface="ＭＳ Ｐゴシック"/>
-        <a:font script="Hang" typeface="맑은 고딕"/>
-        <a:font script="Hans" typeface="宋体"/>
-        <a:font script="Hant" typeface="新細明體"/>
-        <a:font script="Arab" typeface="Arial"/>
-        <a:font script="Hebr" typeface="Arial"/>
-        <a:font script="Thai" typeface="Cordia New"/>
-        <a:font script="Ethi" typeface="Nyala"/>
-        <a:font script="Beng" typeface="Vrinda"/>
-        <a:font script="Gujr" typeface="Shruti"/>
-        <a:font script="Khmr" typeface="DaunPenh"/>
-        <a:font script="Knda" typeface="Tunga"/>
-        <a:font script="Guru" typeface="Raavi"/>
-        <a:font script="Cans" typeface="Euphemia"/>
-        <a:font script="Cher" typeface="Plantagenet Cherokee"/>
-        <a:font script="Yiii" typeface="Microsoft Yi Baiti"/>
-        <a:font script="Tibt" typeface="Microsoft Himalaya"/>
-        <a:font script="Thaa" typeface="MV Boli"/>
-        <a:font script="Deva" typeface="Mangal"/>
-        <a:font script="Telu" typeface="Gautami"/>
-        <a:font script="Taml" typeface="Latha"/>
-        <a:font script="Syrc" typeface="Estrangelo Edessa"/>
-        <a:font script="Orya" typeface="Kalinga"/>
-        <a:font script="Mlym" typeface="Kartika"/>
-        <a:font script="Laoo" typeface="DokChampa"/>
-        <a:font script="Sinh" typeface="Iskoola Pota"/>
-        <a:font script="Mong" typeface="Mongolian Baiti"/>
-        <a:font script="Viet" typeface="Arial"/>
-        <a:font script="Uigh" typeface="Microsoft Uighur"/>
-        <a:font script="Geor" typeface="Sylfaen"/>
-      </a:minorFont>
-    </a:fontScheme>
-    <a:fmtScheme name="Office">
-      <a:fillStyleLst>
-        <a:solidFill>
-          <a:schemeClr val="phClr"/>
-        </a:solidFill>
-        <a:gradFill rotWithShape="1">
-          <a:gsLst>
-            <a:gs pos="0">
-              <a:schemeClr val="phClr">
-                <a:tint val="50000"/>
-                <a:satMod val="300000"/>
-              </a:schemeClr>
-            </a:gs>
-            <a:gs pos="35000">
-              <a:schemeClr val="phClr">
-                <a:tint val="37000"/>
-                <a:satMod val="300000"/>
-              </a:schemeClr>
-            </a:gs>
-            <a:gs pos="100000">
-              <a:schemeClr val="phClr">
-                <a:tint val="15000"/>
-                <a:satMod val="350000"/>
-              </a:schemeClr>
-            </a:gs>
-          </a:gsLst>
-          <a:lin ang="16200000" scaled="1"/>
-        </a:gradFill>
-        <a:gradFill rotWithShape="1">
-          <a:gsLst>
-            <a:gs pos="0">
-              <a:schemeClr val="phClr">
-                <a:tint val="100000"/>
-                <a:shade val="100000"/>
-                <a:satMod val="130000"/>
-              </a:schemeClr>
-            </a:gs>
-            <a:gs pos="100000">
-              <a:schemeClr val="phClr">
-                <a:tint val="50000"/>
-                <a:shade val="100000"/>
-                <a:satMod val="350000"/>
-              </a:schemeClr>
-            </a:gs>
-          </a:gsLst>
-          <a:lin ang="16200000" scaled="0"/>
-        </a:gradFill>
-      </a:fillStyleLst>
-      <a:lnStyleLst>
-        <a:ln w="9525" cap="flat" cmpd="sng" algn="ctr">
-          <a:solidFill>
-            <a:schemeClr val="phClr">
-              <a:shade val="95000"/>
-              <a:satMod val="105000"/>
-            </a:schemeClr>
-          </a:solidFill>
-          <a:prstDash val="solid"/>
-        </a:ln>
-        <a:ln w="25400" cap="flat" cmpd="sng" algn="ctr">
-          <a:solidFill>
-            <a:schemeClr val="phClr"/>
-          </a:solidFill>
-          <a:prstDash val="solid"/>
-        </a:ln>
-        <a:ln w="38100" cap="flat" cmpd="sng" algn="ctr">
-          <a:solidFill>
-            <a:schemeClr val="phClr"/>
-          </a:solidFill>
-          <a:prstDash val="solid"/>
-        </a:ln>
-      </a:lnStyleLst>
-      <a:effectStyleLst>
-        <a:effectStyle>
-          <a:effectLst>
-            <a:outerShdw blurRad="40000" dist="20000" dir="5400000" rotWithShape="0">
-              <a:srgbClr val="000000">
-                <a:alpha val="38000"/>
-              </a:srgbClr>
-            </a:outerShdw>
-          </a:effectLst>
-        </a:effectStyle>
-        <a:effectStyle>
-          <a:effectLst>
-            <a:outerShdw blurRad="40000" dist="23000" dir="5400000" rotWithShape="0">
-              <a:srgbClr val="000000">
-                <a:alpha val="35000"/>
-              </a:srgbClr>
-            </a:outerShdw>
-          </a:effectLst>
-        </a:effectStyle>
-        <a:effectStyle>
-          <a:effectLst>
-            <a:outerShdw blurRad="40000" dist="23000" dir="5400000" rotWithShape="0">
-              <a:srgbClr val="000000">
-                <a:alpha val="35000"/>
-              </a:srgbClr>
-            </a:outerShdw>
-          </a:effectLst>
-          <a:scene3d>
-            <a:camera prst="orthographicFront">
-              <a:rot lat="0" lon="0" rev="0"/>
-            </a:camera>
-            <a:lightRig rig="threePt" dir="t">
-              <a:rot lat="0" lon="0" rev="1200000"/>
-            </a:lightRig>
-          </a:scene3d>
-          <a:sp3d>
-            <a:bevelT w="63500" h="25400"/>
-          </a:sp3d>
-        </a:effectStyle>
-      </a:effectStyleLst>
-      <a:bgFillStyleLst>
-        <a:solidFill>
-          <a:schemeClr val="phClr"/>
-        </a:solidFill>
-        <a:gradFill rotWithShape="1">
-          <a:gsLst>
-            <a:gs pos="0">
-              <a:schemeClr val="phClr">
-                <a:tint val="40000"/>
-                <a:satMod val="350000"/>
-              </a:schemeClr>
-            </a:gs>
-            <a:gs pos="40000">
-              <a:schemeClr val="phClr">
-                <a:tint val="45000"/>
-                <a:shade val="99000"/>
-                <a:satMod val="350000"/>
-              </a:schemeClr>
-            </a:gs>
-            <a:gs pos="100000">
-              <a:schemeClr val="phClr">
-                <a:shade val="20000"/>
-                <a:satMod val="255000"/>
-              </a:schemeClr>
-            </a:gs>
-          </a:gsLst>
-          <a:path path="circle">
-            <a:fillToRect l="50000" t="-80000" r="50000" b="180000"/>
-          </a:path>
-        </a:gradFill>
-        <a:gradFill rotWithShape="1">
-          <a:gsLst>
-            <a:gs pos="0">
-              <a:schemeClr val="phClr">
-                <a:tint val="80000"/>
-                <a:satMod val="300000"/>
-              </a:schemeClr>
-            </a:gs>
-            <a:gs pos="100000">
-              <a:schemeClr val="phClr">
-                <a:shade val="30000"/>
-                <a:satMod val="200000"/>
-              </a:schemeClr>
-            </a:gs>
-          </a:gsLst>
-          <a:path path="circle">
-            <a:fillToRect l="50000" t="50000" r="50000" b="50000"/>
-          </a:path>
-        </a:gradFill>
-      </a:bgFillStyleLst>
-    </a:fmtScheme>
-  </a:themeElements>
-</a:theme>
 </file>